--- a/Gip verslag & powerpoint/GIP_PWP.pptx
+++ b/Gip verslag & powerpoint/GIP_PWP.pptx
@@ -8784,7 +8784,7 @@
             <a:pPr rtl="0"/>
             <a:fld id="{DB179A27-1EB3-4367-B92D-C2A8242EAB16}" type="datetime1">
               <a:rPr lang="nl-NL" smtClean="0"/>
-              <a:t>1-6-2023</a:t>
+              <a:t>2-6-2023</a:t>
             </a:fld>
             <a:endParaRPr lang="nl-NL" dirty="0"/>
           </a:p>
@@ -8886,7 +8886,7 @@
             <a:pPr rtl="0"/>
             <a:fld id="{9039CEC1-7AB1-4B45-A246-57E8EC51D11F}" type="datetime1">
               <a:rPr lang="nl-NL" noProof="0" smtClean="0"/>
-              <a:t>1-6-2023</a:t>
+              <a:t>2-6-2023</a:t>
             </a:fld>
             <a:endParaRPr lang="nl-NL" noProof="0" dirty="0"/>
           </a:p>
@@ -9722,7 +9722,7 @@
             <a:pPr rtl="0"/>
             <a:fld id="{D5E55FA3-9E5D-41EA-943D-CA860F2B0991}" type="datetime1">
               <a:rPr lang="nl-NL" noProof="0" smtClean="0"/>
-              <a:t>1-6-2023</a:t>
+              <a:t>2-6-2023</a:t>
             </a:fld>
             <a:endParaRPr lang="nl-NL" noProof="0" dirty="0"/>
           </a:p>
@@ -10453,7 +10453,7 @@
             <a:pPr rtl="0"/>
             <a:fld id="{D8B5561B-9B9C-4F73-9CA2-7ABA62FECAA8}" type="datetime1">
               <a:rPr lang="nl-NL" noProof="0" smtClean="0"/>
-              <a:t>1-6-2023</a:t>
+              <a:t>2-6-2023</a:t>
             </a:fld>
             <a:endParaRPr lang="nl-NL" noProof="0" dirty="0"/>
           </a:p>
@@ -11027,7 +11027,7 @@
             <a:pPr rtl="0"/>
             <a:fld id="{646127DF-6883-46D2-9895-E40ACF3F766C}" type="datetime1">
               <a:rPr lang="nl-NL" noProof="0" smtClean="0"/>
-              <a:t>1-6-2023</a:t>
+              <a:t>2-6-2023</a:t>
             </a:fld>
             <a:endParaRPr lang="nl-NL" noProof="0" dirty="0"/>
           </a:p>
@@ -11689,7 +11689,7 @@
             <a:pPr rtl="0"/>
             <a:fld id="{F1E91BFF-F0F2-4FC3-AE9D-6D5B6AD49500}" type="datetime1">
               <a:rPr lang="nl-NL" noProof="0" smtClean="0"/>
-              <a:t>1-6-2023</a:t>
+              <a:t>2-6-2023</a:t>
             </a:fld>
             <a:endParaRPr lang="nl-NL" noProof="0" dirty="0"/>
           </a:p>
@@ -12426,7 +12426,7 @@
             <a:pPr rtl="0"/>
             <a:fld id="{BB603C2D-CF3E-45D9-9BA5-46A4CCA259A0}" type="datetime1">
               <a:rPr lang="nl-NL" noProof="0" smtClean="0"/>
-              <a:t>1-6-2023</a:t>
+              <a:t>2-6-2023</a:t>
             </a:fld>
             <a:endParaRPr lang="nl-NL" noProof="0" dirty="0"/>
           </a:p>
@@ -13732,7 +13732,7 @@
             <a:pPr rtl="0"/>
             <a:fld id="{188BC31A-9AB4-452F-87E9-B1EE716A9B0A}" type="datetime1">
               <a:rPr lang="nl-NL" noProof="0" smtClean="0"/>
-              <a:t>1-6-2023</a:t>
+              <a:t>2-6-2023</a:t>
             </a:fld>
             <a:endParaRPr lang="nl-NL" noProof="0" dirty="0"/>
           </a:p>
@@ -14221,7 +14221,7 @@
             <a:pPr rtl="0"/>
             <a:fld id="{5CD4A43E-96B9-429B-A99A-C35167A35CD7}" type="datetime1">
               <a:rPr lang="nl-NL" noProof="0" smtClean="0"/>
-              <a:t>1-6-2023</a:t>
+              <a:t>2-6-2023</a:t>
             </a:fld>
             <a:endParaRPr lang="nl-NL" noProof="0" dirty="0"/>
           </a:p>
@@ -14853,7 +14853,7 @@
             <a:pPr rtl="0"/>
             <a:fld id="{F9B0DD66-5740-43F0-89FF-6356166752B1}" type="datetime1">
               <a:rPr lang="nl-NL" noProof="0" smtClean="0"/>
-              <a:t>1-6-2023</a:t>
+              <a:t>2-6-2023</a:t>
             </a:fld>
             <a:endParaRPr lang="nl-NL" noProof="0" dirty="0"/>
           </a:p>
@@ -15168,7 +15168,7 @@
             <a:pPr rtl="0"/>
             <a:fld id="{E37FE412-530F-440B-9B5E-7DE8E442136A}" type="datetime1">
               <a:rPr lang="nl-NL" noProof="0" smtClean="0"/>
-              <a:t>1-6-2023</a:t>
+              <a:t>2-6-2023</a:t>
             </a:fld>
             <a:endParaRPr lang="nl-NL" noProof="0" dirty="0"/>
           </a:p>
@@ -15491,7 +15491,7 @@
             <a:pPr rtl="0"/>
             <a:fld id="{D1B45C3F-1D5D-42CB-88C6-D85D4E3841FB}" type="datetime1">
               <a:rPr lang="nl-NL" noProof="0" smtClean="0"/>
-              <a:t>1-6-2023</a:t>
+              <a:t>2-6-2023</a:t>
             </a:fld>
             <a:endParaRPr lang="nl-NL" noProof="0" dirty="0"/>
           </a:p>
@@ -15938,7 +15938,7 @@
             <a:pPr rtl="0"/>
             <a:fld id="{143AB357-9C9A-497E-AB67-DEB72EA7BBD8}" type="datetime1">
               <a:rPr lang="nl-NL" noProof="0" smtClean="0"/>
-              <a:t>1-6-2023</a:t>
+              <a:t>2-6-2023</a:t>
             </a:fld>
             <a:endParaRPr lang="nl-NL" noProof="0" dirty="0"/>
           </a:p>
@@ -16568,7 +16568,7 @@
             <a:pPr rtl="0"/>
             <a:fld id="{5B6FA152-FA65-408F-878E-1E58A9C9A46B}" type="datetime1">
               <a:rPr lang="nl-NL" noProof="0" smtClean="0"/>
-              <a:t>1-6-2023</a:t>
+              <a:t>2-6-2023</a:t>
             </a:fld>
             <a:endParaRPr lang="nl-NL" noProof="0" dirty="0"/>
           </a:p>
@@ -17038,7 +17038,7 @@
             <a:pPr rtl="0"/>
             <a:fld id="{FE36E2F3-0DC3-4E6E-B7D5-268195D79586}" type="datetime1">
               <a:rPr lang="nl-NL" noProof="0" smtClean="0"/>
-              <a:t>1-6-2023</a:t>
+              <a:t>2-6-2023</a:t>
             </a:fld>
             <a:endParaRPr lang="nl-NL" noProof="0" dirty="0"/>
           </a:p>
@@ -17718,7 +17718,7 @@
             <a:pPr rtl="0"/>
             <a:fld id="{FA3ED6F6-0AB3-431D-BFCA-AE8472E6842B}" type="datetime1">
               <a:rPr lang="nl-NL" noProof="0" smtClean="0"/>
-              <a:t>1-6-2023</a:t>
+              <a:t>2-6-2023</a:t>
             </a:fld>
             <a:endParaRPr lang="nl-NL" noProof="0" dirty="0"/>
           </a:p>
@@ -18737,7 +18737,7 @@
           </p:nvPr>
         </p:nvPicPr>
         <p:blipFill rotWithShape="1">
-          <a:blip r:embed="rId2">
+          <a:blip r:embed="rId2" cstate="print">
             <a:extLst>
               <a:ext uri="{28A0092B-C50C-407E-A947-70E740481C1C}">
                 <a14:useLocalDpi xmlns:a14="http://schemas.microsoft.com/office/drawing/2010/main" val="0"/>
@@ -20142,7 +20142,7 @@
           <p:nvPr/>
         </p:nvPicPr>
         <p:blipFill>
-          <a:blip r:embed="rId2">
+          <a:blip r:embed="rId2" cstate="print">
             <a:extLst>
               <a:ext uri="{28A0092B-C50C-407E-A947-70E740481C1C}">
                 <a14:useLocalDpi xmlns:a14="http://schemas.microsoft.com/office/drawing/2010/main" val="0"/>
@@ -21039,7 +21039,7 @@
           <p:nvPr/>
         </p:nvPicPr>
         <p:blipFill>
-          <a:blip r:embed="rId2">
+          <a:blip r:embed="rId2" cstate="print">
             <a:extLst>
               <a:ext uri="{28A0092B-C50C-407E-A947-70E740481C1C}">
                 <a14:useLocalDpi xmlns:a14="http://schemas.microsoft.com/office/drawing/2010/main" val="0"/>
@@ -21101,7 +21101,7 @@
         </p:blipFill>
         <p:spPr>
           <a:xfrm>
-            <a:off x="4525904" y="476341"/>
+            <a:off x="8371431" y="308060"/>
             <a:ext cx="2723519" cy="2723519"/>
           </a:xfrm>
         </p:spPr>
@@ -21134,7 +21134,7 @@
         </p:blipFill>
         <p:spPr>
           <a:xfrm>
-            <a:off x="8387197" y="206651"/>
+            <a:off x="4202392" y="166099"/>
             <a:ext cx="3262901" cy="3262901"/>
           </a:xfrm>
           <a:prstGeom prst="rect">
@@ -21417,6 +21417,181 @@
               <a:rPr lang="nl-NL" dirty="0"/>
               <a:t>Relais</a:t>
             </a:r>
+          </a:p>
+        </p:txBody>
+      </p:sp>
+      <p:pic>
+        <p:nvPicPr>
+          <p:cNvPr id="2" name="Afbeelding 1" descr="Afbeelding met diagram, schermopname, Rechthoek, Plan&#10;&#10;Automatisch gegenereerde beschrijving">
+            <a:extLst>
+              <a:ext uri="{FF2B5EF4-FFF2-40B4-BE49-F238E27FC236}">
+                <a16:creationId xmlns:a16="http://schemas.microsoft.com/office/drawing/2014/main" id="{0F4165F5-7B31-A90E-A45B-0F207DA689DD}"/>
+              </a:ext>
+            </a:extLst>
+          </p:cNvPr>
+          <p:cNvPicPr>
+            <a:picLocks noChangeAspect="1"/>
+          </p:cNvPicPr>
+          <p:nvPr/>
+        </p:nvPicPr>
+        <p:blipFill>
+          <a:blip r:embed="rId5"/>
+          <a:stretch>
+            <a:fillRect/>
+          </a:stretch>
+        </p:blipFill>
+        <p:spPr>
+          <a:xfrm>
+            <a:off x="3537432" y="3328428"/>
+            <a:ext cx="7912605" cy="2459813"/>
+          </a:xfrm>
+          <a:prstGeom prst="rect">
+            <a:avLst/>
+          </a:prstGeom>
+        </p:spPr>
+      </p:pic>
+      <p:sp>
+        <p:nvSpPr>
+          <p:cNvPr id="7" name="Pijl: omhoog 6">
+            <a:extLst>
+              <a:ext uri="{FF2B5EF4-FFF2-40B4-BE49-F238E27FC236}">
+                <a16:creationId xmlns:a16="http://schemas.microsoft.com/office/drawing/2014/main" id="{B6CE3FA5-4EA3-EEB5-72B3-2BEA02500EF4}"/>
+              </a:ext>
+            </a:extLst>
+          </p:cNvPr>
+          <p:cNvSpPr/>
+          <p:nvPr/>
+        </p:nvSpPr>
+        <p:spPr>
+          <a:xfrm rot="7909800">
+            <a:off x="3762226" y="2261221"/>
+            <a:ext cx="600977" cy="1513639"/>
+          </a:xfrm>
+          <a:prstGeom prst="upArrow">
+            <a:avLst/>
+          </a:prstGeom>
+        </p:spPr>
+        <p:style>
+          <a:lnRef idx="2">
+            <a:schemeClr val="accent2">
+              <a:shade val="50000"/>
+            </a:schemeClr>
+          </a:lnRef>
+          <a:fillRef idx="1">
+            <a:schemeClr val="accent2"/>
+          </a:fillRef>
+          <a:effectRef idx="0">
+            <a:schemeClr val="accent2"/>
+          </a:effectRef>
+          <a:fontRef idx="minor">
+            <a:schemeClr val="lt1"/>
+          </a:fontRef>
+        </p:style>
+        <p:txBody>
+          <a:bodyPr rtlCol="0" anchor="ctr"/>
+          <a:lstStyle/>
+          <a:p>
+            <a:pPr algn="ctr"/>
+            <a:endParaRPr lang="nl-BE" dirty="0">
+              <a:solidFill>
+                <a:schemeClr val="tx1"/>
+              </a:solidFill>
+              <a:highlight>
+                <a:srgbClr val="FFFF00"/>
+              </a:highlight>
+            </a:endParaRPr>
+          </a:p>
+        </p:txBody>
+      </p:sp>
+      <p:sp>
+        <p:nvSpPr>
+          <p:cNvPr id="8" name="Pijl: omhoog 7">
+            <a:extLst>
+              <a:ext uri="{FF2B5EF4-FFF2-40B4-BE49-F238E27FC236}">
+                <a16:creationId xmlns:a16="http://schemas.microsoft.com/office/drawing/2014/main" id="{F424AC4E-4F39-EF61-AD91-E3CD67D4A3A6}"/>
+              </a:ext>
+            </a:extLst>
+          </p:cNvPr>
+          <p:cNvSpPr/>
+          <p:nvPr/>
+        </p:nvSpPr>
+        <p:spPr>
+          <a:xfrm rot="10302131">
+            <a:off x="6650918" y="2717908"/>
+            <a:ext cx="644151" cy="1280423"/>
+          </a:xfrm>
+          <a:prstGeom prst="upArrow">
+            <a:avLst/>
+          </a:prstGeom>
+        </p:spPr>
+        <p:style>
+          <a:lnRef idx="2">
+            <a:schemeClr val="accent2">
+              <a:shade val="50000"/>
+            </a:schemeClr>
+          </a:lnRef>
+          <a:fillRef idx="1">
+            <a:schemeClr val="accent2"/>
+          </a:fillRef>
+          <a:effectRef idx="0">
+            <a:schemeClr val="accent2"/>
+          </a:effectRef>
+          <a:fontRef idx="minor">
+            <a:schemeClr val="lt1"/>
+          </a:fontRef>
+        </p:style>
+        <p:txBody>
+          <a:bodyPr rtlCol="0" anchor="ctr"/>
+          <a:lstStyle/>
+          <a:p>
+            <a:pPr algn="ctr"/>
+            <a:endParaRPr lang="nl-BE"/>
+          </a:p>
+        </p:txBody>
+      </p:sp>
+      <p:sp>
+        <p:nvSpPr>
+          <p:cNvPr id="9" name="Pijl: omhoog 8">
+            <a:extLst>
+              <a:ext uri="{FF2B5EF4-FFF2-40B4-BE49-F238E27FC236}">
+                <a16:creationId xmlns:a16="http://schemas.microsoft.com/office/drawing/2014/main" id="{3EAF13BB-ED03-588A-7493-19A20284D82B}"/>
+              </a:ext>
+            </a:extLst>
+          </p:cNvPr>
+          <p:cNvSpPr/>
+          <p:nvPr/>
+        </p:nvSpPr>
+        <p:spPr>
+          <a:xfrm rot="10800000">
+            <a:off x="9370279" y="2549586"/>
+            <a:ext cx="600977" cy="784104"/>
+          </a:xfrm>
+          <a:prstGeom prst="upArrow">
+            <a:avLst/>
+          </a:prstGeom>
+        </p:spPr>
+        <p:style>
+          <a:lnRef idx="2">
+            <a:schemeClr val="accent2">
+              <a:shade val="50000"/>
+            </a:schemeClr>
+          </a:lnRef>
+          <a:fillRef idx="1">
+            <a:schemeClr val="accent2"/>
+          </a:fillRef>
+          <a:effectRef idx="0">
+            <a:schemeClr val="accent2"/>
+          </a:effectRef>
+          <a:fontRef idx="minor">
+            <a:schemeClr val="lt1"/>
+          </a:fontRef>
+        </p:style>
+        <p:txBody>
+          <a:bodyPr rtlCol="0" anchor="ctr"/>
+          <a:lstStyle/>
+          <a:p>
+            <a:pPr algn="ctr"/>
+            <a:endParaRPr lang="nl-BE"/>
           </a:p>
         </p:txBody>
       </p:sp>

--- a/Gip verslag & powerpoint/GIP_PWP.pptx
+++ b/Gip verslag & powerpoint/GIP_PWP.pptx
@@ -20045,7 +20045,7 @@
         </p:blipFill>
         <p:spPr>
           <a:xfrm>
-            <a:off x="932329" y="4209400"/>
+            <a:off x="4758605" y="2478254"/>
             <a:ext cx="4687634" cy="1356550"/>
           </a:xfrm>
           <a:prstGeom prst="rect">
@@ -21592,6 +21592,41 @@
           <a:p>
             <a:pPr algn="ctr"/>
             <a:endParaRPr lang="nl-BE"/>
+          </a:p>
+        </p:txBody>
+      </p:sp>
+      <p:sp>
+        <p:nvSpPr>
+          <p:cNvPr id="5" name="Tekstvak 4">
+            <a:extLst>
+              <a:ext uri="{FF2B5EF4-FFF2-40B4-BE49-F238E27FC236}">
+                <a16:creationId xmlns:a16="http://schemas.microsoft.com/office/drawing/2014/main" id="{DCAA8C8F-4A3B-51EC-9111-D18478F753CC}"/>
+              </a:ext>
+            </a:extLst>
+          </p:cNvPr>
+          <p:cNvSpPr txBox="1"/>
+          <p:nvPr/>
+        </p:nvSpPr>
+        <p:spPr>
+          <a:xfrm>
+            <a:off x="9382420" y="4912716"/>
+            <a:ext cx="1020932" cy="369332"/>
+          </a:xfrm>
+          <a:prstGeom prst="rect">
+            <a:avLst/>
+          </a:prstGeom>
+          <a:noFill/>
+        </p:spPr>
+        <p:txBody>
+          <a:bodyPr wrap="square" rtlCol="0">
+            <a:spAutoFit/>
+          </a:bodyPr>
+          <a:lstStyle/>
+          <a:p>
+            <a:r>
+              <a:rPr lang="nl-BE" dirty="0"/>
+              <a:t>9v – 12v</a:t>
+            </a:r>
           </a:p>
         </p:txBody>
       </p:sp>

--- a/Gip verslag & powerpoint/GIP_PWP.pptx
+++ b/Gip verslag & powerpoint/GIP_PWP.pptx
@@ -5,26 +5,25 @@
     <p:sldMasterId id="2147483775" r:id="rId1"/>
   </p:sldMasterIdLst>
   <p:notesMasterIdLst>
-    <p:notesMasterId r:id="rId16"/>
+    <p:notesMasterId r:id="rId15"/>
   </p:notesMasterIdLst>
   <p:handoutMasterIdLst>
-    <p:handoutMasterId r:id="rId17"/>
+    <p:handoutMasterId r:id="rId16"/>
   </p:handoutMasterIdLst>
   <p:sldIdLst>
     <p:sldId id="2549" r:id="rId2"/>
     <p:sldId id="2554" r:id="rId3"/>
     <p:sldId id="2553" r:id="rId4"/>
-    <p:sldId id="2561" r:id="rId5"/>
-    <p:sldId id="2565" r:id="rId6"/>
-    <p:sldId id="2562" r:id="rId7"/>
-    <p:sldId id="2563" r:id="rId8"/>
-    <p:sldId id="2564" r:id="rId9"/>
-    <p:sldId id="2566" r:id="rId10"/>
-    <p:sldId id="2574" r:id="rId11"/>
-    <p:sldId id="2559" r:id="rId12"/>
-    <p:sldId id="2571" r:id="rId13"/>
-    <p:sldId id="2573" r:id="rId14"/>
-    <p:sldId id="2560" r:id="rId15"/>
+    <p:sldId id="2565" r:id="rId5"/>
+    <p:sldId id="2562" r:id="rId6"/>
+    <p:sldId id="2563" r:id="rId7"/>
+    <p:sldId id="2564" r:id="rId8"/>
+    <p:sldId id="2566" r:id="rId9"/>
+    <p:sldId id="2574" r:id="rId10"/>
+    <p:sldId id="2559" r:id="rId11"/>
+    <p:sldId id="2571" r:id="rId12"/>
+    <p:sldId id="2573" r:id="rId13"/>
+    <p:sldId id="2560" r:id="rId14"/>
   </p:sldIdLst>
   <p:sldSz cx="12192000" cy="6858000"/>
   <p:notesSz cx="6858000" cy="9144000"/>
@@ -131,7 +130,6 @@
             <p14:sldId id="2549"/>
             <p14:sldId id="2554"/>
             <p14:sldId id="2553"/>
-            <p14:sldId id="2561"/>
             <p14:sldId id="2565"/>
             <p14:sldId id="2562"/>
             <p14:sldId id="2563"/>
@@ -8742,7 +8740,7 @@
             <a:pPr rtl="0"/>
             <a:fld id="{E801FC8B-EC93-C64D-BBD2-37E30DAF45BC}" type="slidenum">
               <a:rPr lang="nl-NL" smtClean="0"/>
-              <a:t>‹nr.›</a:t>
+              <a:t>‹#›</a:t>
             </a:fld>
             <a:endParaRPr lang="nl-NL" dirty="0"/>
           </a:p>
@@ -8784,7 +8782,7 @@
             <a:pPr rtl="0"/>
             <a:fld id="{DB179A27-1EB3-4367-B92D-C2A8242EAB16}" type="datetime1">
               <a:rPr lang="nl-NL" smtClean="0"/>
-              <a:t>2-6-2023</a:t>
+              <a:t>7-6-2023</a:t>
             </a:fld>
             <a:endParaRPr lang="nl-NL" dirty="0"/>
           </a:p>
@@ -8886,7 +8884,7 @@
             <a:pPr rtl="0"/>
             <a:fld id="{9039CEC1-7AB1-4B45-A246-57E8EC51D11F}" type="datetime1">
               <a:rPr lang="nl-NL" noProof="0" smtClean="0"/>
-              <a:t>2-6-2023</a:t>
+              <a:t>7-6-2023</a:t>
             </a:fld>
             <a:endParaRPr lang="nl-NL" noProof="0" dirty="0"/>
           </a:p>
@@ -9047,7 +9045,7 @@
             <a:pPr rtl="0"/>
             <a:fld id="{07D111EE-B1CE-3F40-8B0E-AB6A92B85452}" type="slidenum">
               <a:rPr lang="nl-NL" noProof="0" smtClean="0"/>
-              <a:t>‹nr.›</a:t>
+              <a:t>‹#›</a:t>
             </a:fld>
             <a:endParaRPr lang="nl-NL" noProof="0" dirty="0"/>
           </a:p>
@@ -9482,7 +9480,7 @@
             <a:pPr rtl="0"/>
             <a:fld id="{07D111EE-B1CE-3F40-8B0E-AB6A92B85452}" type="slidenum">
               <a:rPr lang="nl-NL" smtClean="0"/>
-              <a:t>4</a:t>
+              <a:t>10</a:t>
             </a:fld>
             <a:endParaRPr lang="nl-NL" dirty="0"/>
           </a:p>
@@ -9491,7 +9489,7 @@
     </p:spTree>
     <p:extLst>
       <p:ext uri="{BB962C8B-B14F-4D97-AF65-F5344CB8AC3E}">
-        <p14:creationId xmlns:p14="http://schemas.microsoft.com/office/powerpoint/2010/main" val="3565452671"/>
+        <p14:creationId xmlns:p14="http://schemas.microsoft.com/office/powerpoint/2010/main" val="3501798067"/>
       </p:ext>
     </p:extLst>
   </p:cSld>
@@ -9557,92 +9555,6 @@
             <a:spLocks noGrp="1"/>
           </p:cNvSpPr>
           <p:nvPr>
-            <p:ph type="sldNum" sz="quarter" idx="10"/>
-          </p:nvPr>
-        </p:nvSpPr>
-        <p:spPr/>
-        <p:txBody>
-          <a:bodyPr rtlCol="0"/>
-          <a:lstStyle/>
-          <a:p>
-            <a:pPr rtl="0"/>
-            <a:fld id="{07D111EE-B1CE-3F40-8B0E-AB6A92B85452}" type="slidenum">
-              <a:rPr lang="nl-NL" smtClean="0"/>
-              <a:t>11</a:t>
-            </a:fld>
-            <a:endParaRPr lang="nl-NL" dirty="0"/>
-          </a:p>
-        </p:txBody>
-      </p:sp>
-    </p:spTree>
-    <p:extLst>
-      <p:ext uri="{BB962C8B-B14F-4D97-AF65-F5344CB8AC3E}">
-        <p14:creationId xmlns:p14="http://schemas.microsoft.com/office/powerpoint/2010/main" val="3501798067"/>
-      </p:ext>
-    </p:extLst>
-  </p:cSld>
-  <p:clrMapOvr>
-    <a:masterClrMapping/>
-  </p:clrMapOvr>
-</p:notes>
-</file>
-
-<file path=ppt/notesSlides/notesSlide6.xml><?xml version="1.0" encoding="utf-8"?>
-<p:notes xmlns:a="http://schemas.openxmlformats.org/drawingml/2006/main" xmlns:r="http://schemas.openxmlformats.org/officeDocument/2006/relationships" xmlns:p="http://schemas.openxmlformats.org/presentationml/2006/main">
-  <p:cSld>
-    <p:spTree>
-      <p:nvGrpSpPr>
-        <p:cNvPr id="1" name=""/>
-        <p:cNvGrpSpPr/>
-        <p:nvPr/>
-      </p:nvGrpSpPr>
-      <p:grpSpPr>
-        <a:xfrm>
-          <a:off x="0" y="0"/>
-          <a:ext cx="0" cy="0"/>
-          <a:chOff x="0" y="0"/>
-          <a:chExt cx="0" cy="0"/>
-        </a:xfrm>
-      </p:grpSpPr>
-      <p:sp>
-        <p:nvSpPr>
-          <p:cNvPr id="2" name="Tijdelijke aanduiding voor dia-afbeelding 1"/>
-          <p:cNvSpPr>
-            <a:spLocks noGrp="1" noRot="1" noChangeAspect="1"/>
-          </p:cNvSpPr>
-          <p:nvPr>
-            <p:ph type="sldImg"/>
-          </p:nvPr>
-        </p:nvSpPr>
-        <p:spPr/>
-      </p:sp>
-      <p:sp>
-        <p:nvSpPr>
-          <p:cNvPr id="3" name="Tijdelijke aanduiding voor notities 2"/>
-          <p:cNvSpPr>
-            <a:spLocks noGrp="1"/>
-          </p:cNvSpPr>
-          <p:nvPr>
-            <p:ph type="body" idx="1"/>
-          </p:nvPr>
-        </p:nvSpPr>
-        <p:spPr/>
-        <p:txBody>
-          <a:bodyPr rtlCol="0"/>
-          <a:lstStyle/>
-          <a:p>
-            <a:pPr rtl="0"/>
-            <a:endParaRPr lang="nl-NL" dirty="0"/>
-          </a:p>
-        </p:txBody>
-      </p:sp>
-      <p:sp>
-        <p:nvSpPr>
-          <p:cNvPr id="4" name="Tijdelijke aanduiding voor dianummer 3"/>
-          <p:cNvSpPr>
-            <a:spLocks noGrp="1"/>
-          </p:cNvSpPr>
-          <p:nvPr>
             <p:ph type="sldNum" sz="quarter" idx="5"/>
           </p:nvPr>
         </p:nvSpPr>
@@ -9654,7 +9566,7 @@
             <a:pPr rtl="0"/>
             <a:fld id="{99CAC06A-4905-4B1A-83C1-3B011A8CF04B}" type="slidenum">
               <a:rPr lang="nl-NL" smtClean="0"/>
-              <a:t>14</a:t>
+              <a:t>13</a:t>
             </a:fld>
             <a:endParaRPr lang="nl-NL" dirty="0"/>
           </a:p>
@@ -9722,7 +9634,7 @@
             <a:pPr rtl="0"/>
             <a:fld id="{D5E55FA3-9E5D-41EA-943D-CA860F2B0991}" type="datetime1">
               <a:rPr lang="nl-NL" noProof="0" smtClean="0"/>
-              <a:t>2-6-2023</a:t>
+              <a:t>7-6-2023</a:t>
             </a:fld>
             <a:endParaRPr lang="nl-NL" noProof="0" dirty="0"/>
           </a:p>
@@ -9778,7 +9690,7 @@
             <a:pPr rtl="0"/>
             <a:fld id="{3A98EE3D-8CD1-4C3F-BD1C-C98C9596463C}" type="slidenum">
               <a:rPr lang="nl-NL" noProof="0" smtClean="0"/>
-              <a:t>‹nr.›</a:t>
+              <a:t>‹#›</a:t>
             </a:fld>
             <a:endParaRPr lang="nl-NL" noProof="0" dirty="0"/>
           </a:p>
@@ -10453,7 +10365,7 @@
             <a:pPr rtl="0"/>
             <a:fld id="{D8B5561B-9B9C-4F73-9CA2-7ABA62FECAA8}" type="datetime1">
               <a:rPr lang="nl-NL" noProof="0" smtClean="0"/>
-              <a:t>2-6-2023</a:t>
+              <a:t>7-6-2023</a:t>
             </a:fld>
             <a:endParaRPr lang="nl-NL" noProof="0" dirty="0"/>
           </a:p>
@@ -10509,7 +10421,7 @@
             <a:pPr rtl="0"/>
             <a:fld id="{3A98EE3D-8CD1-4C3F-BD1C-C98C9596463C}" type="slidenum">
               <a:rPr lang="nl-NL" noProof="0" smtClean="0"/>
-              <a:t>‹nr.›</a:t>
+              <a:t>‹#›</a:t>
             </a:fld>
             <a:endParaRPr lang="nl-NL" noProof="0" dirty="0"/>
           </a:p>
@@ -11027,7 +10939,7 @@
             <a:pPr rtl="0"/>
             <a:fld id="{646127DF-6883-46D2-9895-E40ACF3F766C}" type="datetime1">
               <a:rPr lang="nl-NL" noProof="0" smtClean="0"/>
-              <a:t>2-6-2023</a:t>
+              <a:t>7-6-2023</a:t>
             </a:fld>
             <a:endParaRPr lang="nl-NL" noProof="0" dirty="0"/>
           </a:p>
@@ -11083,7 +10995,7 @@
             <a:pPr rtl="0"/>
             <a:fld id="{3A98EE3D-8CD1-4C3F-BD1C-C98C9596463C}" type="slidenum">
               <a:rPr lang="nl-NL" noProof="0" smtClean="0"/>
-              <a:t>‹nr.›</a:t>
+              <a:t>‹#›</a:t>
             </a:fld>
             <a:endParaRPr lang="nl-NL" noProof="0" dirty="0"/>
           </a:p>
@@ -11689,7 +11601,7 @@
             <a:pPr rtl="0"/>
             <a:fld id="{F1E91BFF-F0F2-4FC3-AE9D-6D5B6AD49500}" type="datetime1">
               <a:rPr lang="nl-NL" noProof="0" smtClean="0"/>
-              <a:t>2-6-2023</a:t>
+              <a:t>7-6-2023</a:t>
             </a:fld>
             <a:endParaRPr lang="nl-NL" noProof="0" dirty="0"/>
           </a:p>
@@ -11745,7 +11657,7 @@
             <a:pPr rtl="0"/>
             <a:fld id="{3A98EE3D-8CD1-4C3F-BD1C-C98C9596463C}" type="slidenum">
               <a:rPr lang="nl-NL" noProof="0" smtClean="0"/>
-              <a:t>‹nr.›</a:t>
+              <a:t>‹#›</a:t>
             </a:fld>
             <a:endParaRPr lang="nl-NL" noProof="0" dirty="0"/>
           </a:p>
@@ -12426,7 +12338,7 @@
             <a:pPr rtl="0"/>
             <a:fld id="{BB603C2D-CF3E-45D9-9BA5-46A4CCA259A0}" type="datetime1">
               <a:rPr lang="nl-NL" noProof="0" smtClean="0"/>
-              <a:t>2-6-2023</a:t>
+              <a:t>7-6-2023</a:t>
             </a:fld>
             <a:endParaRPr lang="nl-NL" noProof="0" dirty="0"/>
           </a:p>
@@ -12482,7 +12394,7 @@
             <a:pPr rtl="0"/>
             <a:fld id="{3A98EE3D-8CD1-4C3F-BD1C-C98C9596463C}" type="slidenum">
               <a:rPr lang="nl-NL" noProof="0" smtClean="0"/>
-              <a:t>‹nr.›</a:t>
+              <a:t>‹#›</a:t>
             </a:fld>
             <a:endParaRPr lang="nl-NL" noProof="0" dirty="0"/>
           </a:p>
@@ -12638,7 +12550,7 @@
             <a:pPr rtl="0"/>
             <a:fld id="{3A98EE3D-8CD1-4C3F-BD1C-C98C9596463C}" type="slidenum">
               <a:rPr lang="nl-NL" noProof="0" smtClean="0"/>
-              <a:t>‹nr.›</a:t>
+              <a:t>‹#›</a:t>
             </a:fld>
             <a:endParaRPr lang="nl-NL" noProof="0" dirty="0"/>
           </a:p>
@@ -13397,7 +13309,7 @@
             <a:pPr rtl="0"/>
             <a:fld id="{3A98EE3D-8CD1-4C3F-BD1C-C98C9596463C}" type="slidenum">
               <a:rPr lang="nl-NL" noProof="0" smtClean="0"/>
-              <a:t>‹nr.›</a:t>
+              <a:t>‹#›</a:t>
             </a:fld>
             <a:endParaRPr lang="nl-NL" noProof="0" dirty="0"/>
           </a:p>
@@ -13732,7 +13644,7 @@
             <a:pPr rtl="0"/>
             <a:fld id="{188BC31A-9AB4-452F-87E9-B1EE716A9B0A}" type="datetime1">
               <a:rPr lang="nl-NL" noProof="0" smtClean="0"/>
-              <a:t>2-6-2023</a:t>
+              <a:t>7-6-2023</a:t>
             </a:fld>
             <a:endParaRPr lang="nl-NL" noProof="0" dirty="0"/>
           </a:p>
@@ -13798,7 +13710,7 @@
             <a:pPr rtl="0"/>
             <a:fld id="{3A98EE3D-8CD1-4C3F-BD1C-C98C9596463C}" type="slidenum">
               <a:rPr lang="nl-NL" noProof="0" smtClean="0"/>
-              <a:t>‹nr.›</a:t>
+              <a:t>‹#›</a:t>
             </a:fld>
             <a:endParaRPr lang="nl-NL" noProof="0" dirty="0"/>
           </a:p>
@@ -14221,7 +14133,7 @@
             <a:pPr rtl="0"/>
             <a:fld id="{5CD4A43E-96B9-429B-A99A-C35167A35CD7}" type="datetime1">
               <a:rPr lang="nl-NL" noProof="0" smtClean="0"/>
-              <a:t>2-6-2023</a:t>
+              <a:t>7-6-2023</a:t>
             </a:fld>
             <a:endParaRPr lang="nl-NL" noProof="0" dirty="0"/>
           </a:p>
@@ -14282,7 +14194,7 @@
             <a:pPr rtl="0"/>
             <a:fld id="{3A98EE3D-8CD1-4C3F-BD1C-C98C9596463C}" type="slidenum">
               <a:rPr lang="nl-NL" noProof="0" smtClean="0"/>
-              <a:t>‹nr.›</a:t>
+              <a:t>‹#›</a:t>
             </a:fld>
             <a:endParaRPr lang="nl-NL" noProof="0" dirty="0"/>
           </a:p>
@@ -14853,7 +14765,7 @@
             <a:pPr rtl="0"/>
             <a:fld id="{F9B0DD66-5740-43F0-89FF-6356166752B1}" type="datetime1">
               <a:rPr lang="nl-NL" noProof="0" smtClean="0"/>
-              <a:t>2-6-2023</a:t>
+              <a:t>7-6-2023</a:t>
             </a:fld>
             <a:endParaRPr lang="nl-NL" noProof="0" dirty="0"/>
           </a:p>
@@ -14909,7 +14821,7 @@
             <a:pPr rtl="0"/>
             <a:fld id="{3A98EE3D-8CD1-4C3F-BD1C-C98C9596463C}" type="slidenum">
               <a:rPr lang="nl-NL" noProof="0" smtClean="0"/>
-              <a:t>‹nr.›</a:t>
+              <a:t>‹#›</a:t>
             </a:fld>
             <a:endParaRPr lang="nl-NL" noProof="0" dirty="0"/>
           </a:p>
@@ -15168,7 +15080,7 @@
             <a:pPr rtl="0"/>
             <a:fld id="{E37FE412-530F-440B-9B5E-7DE8E442136A}" type="datetime1">
               <a:rPr lang="nl-NL" noProof="0" smtClean="0"/>
-              <a:t>2-6-2023</a:t>
+              <a:t>7-6-2023</a:t>
             </a:fld>
             <a:endParaRPr lang="nl-NL" noProof="0" dirty="0"/>
           </a:p>
@@ -15224,7 +15136,7 @@
             <a:pPr rtl="0"/>
             <a:fld id="{3A98EE3D-8CD1-4C3F-BD1C-C98C9596463C}" type="slidenum">
               <a:rPr lang="nl-NL" noProof="0" smtClean="0"/>
-              <a:t>‹nr.›</a:t>
+              <a:t>‹#›</a:t>
             </a:fld>
             <a:endParaRPr lang="nl-NL" noProof="0" dirty="0"/>
           </a:p>
@@ -15491,7 +15403,7 @@
             <a:pPr rtl="0"/>
             <a:fld id="{D1B45C3F-1D5D-42CB-88C6-D85D4E3841FB}" type="datetime1">
               <a:rPr lang="nl-NL" noProof="0" smtClean="0"/>
-              <a:t>2-6-2023</a:t>
+              <a:t>7-6-2023</a:t>
             </a:fld>
             <a:endParaRPr lang="nl-NL" noProof="0" dirty="0"/>
           </a:p>
@@ -15547,7 +15459,7 @@
             <a:pPr rtl="0"/>
             <a:fld id="{3A98EE3D-8CD1-4C3F-BD1C-C98C9596463C}" type="slidenum">
               <a:rPr lang="nl-NL" noProof="0" smtClean="0"/>
-              <a:t>‹nr.›</a:t>
+              <a:t>‹#›</a:t>
             </a:fld>
             <a:endParaRPr lang="nl-NL" noProof="0" dirty="0"/>
           </a:p>
@@ -15938,7 +15850,7 @@
             <a:pPr rtl="0"/>
             <a:fld id="{143AB357-9C9A-497E-AB67-DEB72EA7BBD8}" type="datetime1">
               <a:rPr lang="nl-NL" noProof="0" smtClean="0"/>
-              <a:t>2-6-2023</a:t>
+              <a:t>7-6-2023</a:t>
             </a:fld>
             <a:endParaRPr lang="nl-NL" noProof="0" dirty="0"/>
           </a:p>
@@ -15994,7 +15906,7 @@
             <a:pPr rtl="0"/>
             <a:fld id="{3A98EE3D-8CD1-4C3F-BD1C-C98C9596463C}" type="slidenum">
               <a:rPr lang="nl-NL" noProof="0" smtClean="0"/>
-              <a:t>‹nr.›</a:t>
+              <a:t>‹#›</a:t>
             </a:fld>
             <a:endParaRPr lang="nl-NL" noProof="0" dirty="0"/>
           </a:p>
@@ -16568,7 +16480,7 @@
             <a:pPr rtl="0"/>
             <a:fld id="{5B6FA152-FA65-408F-878E-1E58A9C9A46B}" type="datetime1">
               <a:rPr lang="nl-NL" noProof="0" smtClean="0"/>
-              <a:t>2-6-2023</a:t>
+              <a:t>7-6-2023</a:t>
             </a:fld>
             <a:endParaRPr lang="nl-NL" noProof="0" dirty="0"/>
           </a:p>
@@ -16629,7 +16541,7 @@
             <a:pPr rtl="0"/>
             <a:fld id="{3A98EE3D-8CD1-4C3F-BD1C-C98C9596463C}" type="slidenum">
               <a:rPr lang="nl-NL" noProof="0" smtClean="0"/>
-              <a:t>‹nr.›</a:t>
+              <a:t>‹#›</a:t>
             </a:fld>
             <a:endParaRPr lang="nl-NL" noProof="0" dirty="0"/>
           </a:p>
@@ -17038,7 +16950,7 @@
             <a:pPr rtl="0"/>
             <a:fld id="{FE36E2F3-0DC3-4E6E-B7D5-268195D79586}" type="datetime1">
               <a:rPr lang="nl-NL" noProof="0" smtClean="0"/>
-              <a:t>2-6-2023</a:t>
+              <a:t>7-6-2023</a:t>
             </a:fld>
             <a:endParaRPr lang="nl-NL" noProof="0" dirty="0"/>
           </a:p>
@@ -17094,7 +17006,7 @@
             <a:pPr rtl="0"/>
             <a:fld id="{3A98EE3D-8CD1-4C3F-BD1C-C98C9596463C}" type="slidenum">
               <a:rPr lang="nl-NL" noProof="0" smtClean="0"/>
-              <a:t>‹nr.›</a:t>
+              <a:t>‹#›</a:t>
             </a:fld>
             <a:endParaRPr lang="nl-NL" noProof="0" dirty="0"/>
           </a:p>
@@ -17718,7 +17630,7 @@
             <a:pPr rtl="0"/>
             <a:fld id="{FA3ED6F6-0AB3-431D-BFCA-AE8472E6842B}" type="datetime1">
               <a:rPr lang="nl-NL" noProof="0" smtClean="0"/>
-              <a:t>2-6-2023</a:t>
+              <a:t>7-6-2023</a:t>
             </a:fld>
             <a:endParaRPr lang="nl-NL" noProof="0" dirty="0"/>
           </a:p>
@@ -17794,7 +17706,7 @@
             <a:pPr rtl="0"/>
             <a:fld id="{3A98EE3D-8CD1-4C3F-BD1C-C98C9596463C}" type="slidenum">
               <a:rPr lang="nl-NL" noProof="0" smtClean="0"/>
-              <a:t>‹nr.›</a:t>
+              <a:t>‹#›</a:t>
             </a:fld>
             <a:endParaRPr lang="nl-NL" noProof="0" dirty="0"/>
           </a:p>
@@ -18362,104 +18274,6 @@
           <a:chExt cx="0" cy="0"/>
         </a:xfrm>
       </p:grpSpPr>
-      <p:sp>
-        <p:nvSpPr>
-          <p:cNvPr id="13" name="Title 2">
-            <a:extLst>
-              <a:ext uri="{FF2B5EF4-FFF2-40B4-BE49-F238E27FC236}">
-                <a16:creationId xmlns:a16="http://schemas.microsoft.com/office/drawing/2014/main" id="{1027AC66-7AC5-2908-4DB5-CF53468CF9A3}"/>
-              </a:ext>
-            </a:extLst>
-          </p:cNvPr>
-          <p:cNvSpPr>
-            <a:spLocks noGrp="1"/>
-          </p:cNvSpPr>
-          <p:nvPr>
-            <p:ph type="title"/>
-          </p:nvPr>
-        </p:nvSpPr>
-        <p:spPr>
-          <a:xfrm>
-            <a:off x="932329" y="893729"/>
-            <a:ext cx="10452849" cy="910492"/>
-          </a:xfrm>
-        </p:spPr>
-        <p:txBody>
-          <a:bodyPr/>
-          <a:lstStyle/>
-          <a:p>
-            <a:r>
-              <a:rPr lang="nl-BE" dirty="0"/>
-              <a:t>Inlogen</a:t>
-            </a:r>
-          </a:p>
-        </p:txBody>
-      </p:sp>
-      <p:pic>
-        <p:nvPicPr>
-          <p:cNvPr id="20" name="Content Placeholder 19" descr="A picture containing text, screenshot, diagram&#10;&#10;Description automatically generated">
-            <a:extLst>
-              <a:ext uri="{FF2B5EF4-FFF2-40B4-BE49-F238E27FC236}">
-                <a16:creationId xmlns:a16="http://schemas.microsoft.com/office/drawing/2014/main" id="{D70E181C-61C5-C229-C026-7190BEAB3491}"/>
-              </a:ext>
-            </a:extLst>
-          </p:cNvPr>
-          <p:cNvPicPr>
-            <a:picLocks noGrp="1" noChangeAspect="1"/>
-          </p:cNvPicPr>
-          <p:nvPr>
-            <p:ph idx="1"/>
-          </p:nvPr>
-        </p:nvPicPr>
-        <p:blipFill>
-          <a:blip r:embed="rId2">
-            <a:extLst>
-              <a:ext uri="{28A0092B-C50C-407E-A947-70E740481C1C}">
-                <a14:useLocalDpi xmlns:a14="http://schemas.microsoft.com/office/drawing/2010/main" val="0"/>
-              </a:ext>
-            </a:extLst>
-          </a:blip>
-          <a:stretch>
-            <a:fillRect/>
-          </a:stretch>
-        </p:blipFill>
-        <p:spPr>
-          <a:xfrm>
-            <a:off x="1487776" y="1559455"/>
-            <a:ext cx="9216447" cy="4404816"/>
-          </a:xfrm>
-        </p:spPr>
-      </p:pic>
-    </p:spTree>
-    <p:extLst>
-      <p:ext uri="{BB962C8B-B14F-4D97-AF65-F5344CB8AC3E}">
-        <p14:creationId xmlns:p14="http://schemas.microsoft.com/office/powerpoint/2010/main" val="77393496"/>
-      </p:ext>
-    </p:extLst>
-  </p:cSld>
-  <p:clrMapOvr>
-    <a:masterClrMapping/>
-  </p:clrMapOvr>
-</p:sld>
-</file>
-
-<file path=ppt/slides/slide11.xml><?xml version="1.0" encoding="utf-8"?>
-<p:sld xmlns:a="http://schemas.openxmlformats.org/drawingml/2006/main" xmlns:r="http://schemas.openxmlformats.org/officeDocument/2006/relationships" xmlns:p="http://schemas.openxmlformats.org/presentationml/2006/main">
-  <p:cSld>
-    <p:spTree>
-      <p:nvGrpSpPr>
-        <p:cNvPr id="1" name=""/>
-        <p:cNvGrpSpPr/>
-        <p:nvPr/>
-      </p:nvGrpSpPr>
-      <p:grpSpPr>
-        <a:xfrm>
-          <a:off x="0" y="0"/>
-          <a:ext cx="0" cy="0"/>
-          <a:chOff x="0" y="0"/>
-          <a:chExt cx="0" cy="0"/>
-        </a:xfrm>
-      </p:grpSpPr>
       <p:graphicFrame>
         <p:nvGraphicFramePr>
           <p:cNvPr id="4" name="Tijdelijke aanduiding voor inhoud 3" descr="Tijdelijke aanduiding voor tijdlijn&#10;">
@@ -18533,7 +18347,7 @@
 </p:sld>
 </file>
 
-<file path=ppt/slides/slide12.xml><?xml version="1.0" encoding="utf-8"?>
+<file path=ppt/slides/slide11.xml><?xml version="1.0" encoding="utf-8"?>
 <p:sld xmlns:a="http://schemas.openxmlformats.org/drawingml/2006/main" xmlns:r="http://schemas.openxmlformats.org/officeDocument/2006/relationships" xmlns:p="http://schemas.openxmlformats.org/presentationml/2006/main">
   <p:cSld>
     <p:spTree>
@@ -18670,7 +18484,7 @@
 </p:sld>
 </file>
 
-<file path=ppt/slides/slide13.xml><?xml version="1.0" encoding="utf-8"?>
+<file path=ppt/slides/slide12.xml><?xml version="1.0" encoding="utf-8"?>
 <p:sld xmlns:a="http://schemas.openxmlformats.org/drawingml/2006/main" xmlns:r="http://schemas.openxmlformats.org/officeDocument/2006/relationships" xmlns:p="http://schemas.openxmlformats.org/presentationml/2006/main">
   <p:cSld>
     <p:spTree>
@@ -18836,7 +18650,7 @@
 </p:sld>
 </file>
 
-<file path=ppt/slides/slide14.xml><?xml version="1.0" encoding="utf-8"?>
+<file path=ppt/slides/slide13.xml><?xml version="1.0" encoding="utf-8"?>
 <p:sld xmlns:a="http://schemas.openxmlformats.org/drawingml/2006/main" xmlns:r="http://schemas.openxmlformats.org/officeDocument/2006/relationships" xmlns:p="http://schemas.openxmlformats.org/presentationml/2006/main">
   <p:cSld>
     <p:spTree>
@@ -19290,42 +19104,6 @@
           </a:p>
         </p:txBody>
       </p:sp>
-      <p:pic>
-        <p:nvPicPr>
-          <p:cNvPr id="7" name="Picture Placeholder 6" descr="A calculator with different colored buttons&#10;&#10;Description automatically generated with low confidence">
-            <a:extLst>
-              <a:ext uri="{FF2B5EF4-FFF2-40B4-BE49-F238E27FC236}">
-                <a16:creationId xmlns:a16="http://schemas.microsoft.com/office/drawing/2014/main" id="{54FF359E-D660-1A0B-4E37-EF3B93BCDF00}"/>
-              </a:ext>
-            </a:extLst>
-          </p:cNvPr>
-          <p:cNvPicPr>
-            <a:picLocks noGrp="1" noChangeAspect="1"/>
-          </p:cNvPicPr>
-          <p:nvPr>
-            <p:ph sz="half" idx="14"/>
-          </p:nvPr>
-        </p:nvPicPr>
-        <p:blipFill>
-          <a:blip r:embed="rId3" cstate="print">
-            <a:extLst>
-              <a:ext uri="{28A0092B-C50C-407E-A947-70E740481C1C}">
-                <a14:useLocalDpi xmlns:a14="http://schemas.microsoft.com/office/drawing/2010/main" val="0"/>
-              </a:ext>
-            </a:extLst>
-          </a:blip>
-          <a:stretch>
-            <a:fillRect/>
-          </a:stretch>
-        </p:blipFill>
-        <p:spPr>
-          <a:xfrm flipH="1">
-            <a:off x="6429504" y="3368580"/>
-            <a:ext cx="2296483" cy="2216107"/>
-          </a:xfrm>
-          <a:noFill/>
-        </p:spPr>
-      </p:pic>
       <p:sp>
         <p:nvSpPr>
           <p:cNvPr id="5" name="Titel 4">
@@ -19364,76 +19142,39 @@
       </p:sp>
       <p:pic>
         <p:nvPicPr>
-          <p:cNvPr id="10" name="Picture 9">
+          <p:cNvPr id="11" name="Content Placeholder 14" descr="A screenshot of a computer&#10;&#10;Description automatically generated with medium confidence">
             <a:extLst>
               <a:ext uri="{FF2B5EF4-FFF2-40B4-BE49-F238E27FC236}">
-                <a16:creationId xmlns:a16="http://schemas.microsoft.com/office/drawing/2014/main" id="{DAFF77D4-571D-56BB-9F2A-59819C57F4AE}"/>
+                <a16:creationId xmlns:a16="http://schemas.microsoft.com/office/drawing/2014/main" id="{EB090A30-6082-EB10-2733-E70E6E843CFE}"/>
               </a:ext>
             </a:extLst>
           </p:cNvPr>
           <p:cNvPicPr>
-            <a:picLocks noChangeAspect="1"/>
+            <a:picLocks noGrp="1" noChangeAspect="1"/>
           </p:cNvPicPr>
-          <p:nvPr/>
+          <p:nvPr>
+            <p:ph sz="half" idx="14"/>
+          </p:nvPr>
         </p:nvPicPr>
         <p:blipFill>
-          <a:blip r:embed="rId4"/>
+          <a:blip r:embed="rId3">
+            <a:extLst>
+              <a:ext uri="{28A0092B-C50C-407E-A947-70E740481C1C}">
+                <a14:useLocalDpi xmlns:a14="http://schemas.microsoft.com/office/drawing/2010/main" val="0"/>
+              </a:ext>
+            </a:extLst>
+          </a:blip>
           <a:stretch>
             <a:fillRect/>
           </a:stretch>
         </p:blipFill>
         <p:spPr>
           <a:xfrm>
-            <a:off x="9870630" y="3000041"/>
-            <a:ext cx="1594479" cy="2953183"/>
+            <a:off x="6668656" y="3008087"/>
+            <a:ext cx="5016766" cy="2826111"/>
           </a:xfrm>
-          <a:prstGeom prst="rect">
-            <a:avLst/>
-          </a:prstGeom>
         </p:spPr>
       </p:pic>
-      <p:cxnSp>
-        <p:nvCxnSpPr>
-          <p:cNvPr id="13" name="Straight Arrow Connector 12">
-            <a:extLst>
-              <a:ext uri="{FF2B5EF4-FFF2-40B4-BE49-F238E27FC236}">
-                <a16:creationId xmlns:a16="http://schemas.microsoft.com/office/drawing/2014/main" id="{24A5BABC-B5D0-725B-76E3-223ECE1B28B4}"/>
-              </a:ext>
-            </a:extLst>
-          </p:cNvPr>
-          <p:cNvCxnSpPr>
-            <a:stCxn id="7" idx="1"/>
-            <a:endCxn id="10" idx="1"/>
-          </p:cNvCxnSpPr>
-          <p:nvPr/>
-        </p:nvCxnSpPr>
-        <p:spPr>
-          <a:xfrm flipV="1">
-            <a:off x="8725987" y="4476633"/>
-            <a:ext cx="1144643" cy="1"/>
-          </a:xfrm>
-          <a:prstGeom prst="straightConnector1">
-            <a:avLst/>
-          </a:prstGeom>
-          <a:ln>
-            <a:tailEnd type="triangle"/>
-          </a:ln>
-        </p:spPr>
-        <p:style>
-          <a:lnRef idx="1">
-            <a:schemeClr val="accent1"/>
-          </a:lnRef>
-          <a:fillRef idx="0">
-            <a:schemeClr val="accent1"/>
-          </a:fillRef>
-          <a:effectRef idx="0">
-            <a:schemeClr val="accent1"/>
-          </a:effectRef>
-          <a:fontRef idx="minor">
-            <a:schemeClr val="tx1"/>
-          </a:fontRef>
-        </p:style>
-      </p:cxnSp>
     </p:spTree>
     <p:extLst>
       <p:ext uri="{BB962C8B-B14F-4D97-AF65-F5344CB8AC3E}">
@@ -19448,324 +19189,6 @@
 </file>
 
 <file path=ppt/slides/slide4.xml><?xml version="1.0" encoding="utf-8"?>
-<p:sld xmlns:a="http://schemas.openxmlformats.org/drawingml/2006/main" xmlns:r="http://schemas.openxmlformats.org/officeDocument/2006/relationships" xmlns:p="http://schemas.openxmlformats.org/presentationml/2006/main">
-  <p:cSld>
-    <p:spTree>
-      <p:nvGrpSpPr>
-        <p:cNvPr id="1" name=""/>
-        <p:cNvGrpSpPr/>
-        <p:nvPr/>
-      </p:nvGrpSpPr>
-      <p:grpSpPr>
-        <a:xfrm>
-          <a:off x="0" y="0"/>
-          <a:ext cx="0" cy="0"/>
-          <a:chOff x="0" y="0"/>
-          <a:chExt cx="0" cy="0"/>
-        </a:xfrm>
-      </p:grpSpPr>
-      <p:sp>
-        <p:nvSpPr>
-          <p:cNvPr id="9" name="Text Placeholder 1">
-            <a:extLst>
-              <a:ext uri="{FF2B5EF4-FFF2-40B4-BE49-F238E27FC236}">
-                <a16:creationId xmlns:a16="http://schemas.microsoft.com/office/drawing/2014/main" id="{4659B825-0FFF-5EF0-204E-B6F093538E3A}"/>
-              </a:ext>
-            </a:extLst>
-          </p:cNvPr>
-          <p:cNvSpPr>
-            <a:spLocks noGrp="1"/>
-          </p:cNvSpPr>
-          <p:nvPr>
-            <p:ph type="body" idx="1"/>
-          </p:nvPr>
-        </p:nvSpPr>
-        <p:spPr>
-          <a:xfrm>
-            <a:off x="645125" y="1984781"/>
-            <a:ext cx="4639736" cy="703135"/>
-          </a:xfrm>
-        </p:spPr>
-        <p:txBody>
-          <a:bodyPr/>
-          <a:lstStyle/>
-          <a:p>
-            <a:endParaRPr lang="en-US"/>
-          </a:p>
-        </p:txBody>
-      </p:sp>
-      <p:sp>
-        <p:nvSpPr>
-          <p:cNvPr id="14" name="Text Placeholder 3">
-            <a:extLst>
-              <a:ext uri="{FF2B5EF4-FFF2-40B4-BE49-F238E27FC236}">
-                <a16:creationId xmlns:a16="http://schemas.microsoft.com/office/drawing/2014/main" id="{C02BB157-9803-3824-B7C6-C2A22E5CD0A5}"/>
-              </a:ext>
-            </a:extLst>
-          </p:cNvPr>
-          <p:cNvSpPr>
-            <a:spLocks noGrp="1"/>
-          </p:cNvSpPr>
-          <p:nvPr>
-            <p:ph type="body" idx="13"/>
-          </p:nvPr>
-        </p:nvSpPr>
-        <p:spPr>
-          <a:xfrm>
-            <a:off x="6907391" y="1984781"/>
-            <a:ext cx="4639736" cy="703135"/>
-          </a:xfrm>
-        </p:spPr>
-        <p:txBody>
-          <a:bodyPr/>
-          <a:lstStyle/>
-          <a:p>
-            <a:endParaRPr lang="en-US"/>
-          </a:p>
-        </p:txBody>
-      </p:sp>
-      <p:pic>
-        <p:nvPicPr>
-          <p:cNvPr id="7" name="Picture Placeholder 6" descr="A calculator with different colored buttons&#10;&#10;Description automatically generated with low confidence">
-            <a:extLst>
-              <a:ext uri="{FF2B5EF4-FFF2-40B4-BE49-F238E27FC236}">
-                <a16:creationId xmlns:a16="http://schemas.microsoft.com/office/drawing/2014/main" id="{54FF359E-D660-1A0B-4E37-EF3B93BCDF00}"/>
-              </a:ext>
-            </a:extLst>
-          </p:cNvPr>
-          <p:cNvPicPr>
-            <a:picLocks noGrp="1" noChangeAspect="1"/>
-          </p:cNvPicPr>
-          <p:nvPr>
-            <p:ph sz="half" idx="14"/>
-          </p:nvPr>
-        </p:nvPicPr>
-        <p:blipFill>
-          <a:blip r:embed="rId3" cstate="print">
-            <a:extLst>
-              <a:ext uri="{28A0092B-C50C-407E-A947-70E740481C1C}">
-                <a14:useLocalDpi xmlns:a14="http://schemas.microsoft.com/office/drawing/2010/main" val="0"/>
-              </a:ext>
-            </a:extLst>
-          </a:blip>
-          <a:stretch>
-            <a:fillRect/>
-          </a:stretch>
-        </p:blipFill>
-        <p:spPr>
-          <a:xfrm flipH="1">
-            <a:off x="6429504" y="3368580"/>
-            <a:ext cx="2296483" cy="2216107"/>
-          </a:xfrm>
-          <a:noFill/>
-        </p:spPr>
-      </p:pic>
-      <p:sp>
-        <p:nvSpPr>
-          <p:cNvPr id="5" name="Titel 4">
-            <a:extLst>
-              <a:ext uri="{FF2B5EF4-FFF2-40B4-BE49-F238E27FC236}">
-                <a16:creationId xmlns:a16="http://schemas.microsoft.com/office/drawing/2014/main" id="{9B51C228-B9D7-6F4B-9504-969693D47FD5}"/>
-              </a:ext>
-            </a:extLst>
-          </p:cNvPr>
-          <p:cNvSpPr>
-            <a:spLocks noGrp="1"/>
-          </p:cNvSpPr>
-          <p:nvPr>
-            <p:ph type="title"/>
-          </p:nvPr>
-        </p:nvSpPr>
-        <p:spPr>
-          <a:xfrm>
-            <a:off x="932330" y="893729"/>
-            <a:ext cx="10205573" cy="910492"/>
-          </a:xfrm>
-        </p:spPr>
-        <p:txBody>
-          <a:bodyPr rtlCol="0" anchor="ctr">
-            <a:normAutofit/>
-          </a:bodyPr>
-          <a:lstStyle/>
-          <a:p>
-            <a:pPr rtl="0"/>
-            <a:r>
-              <a:rPr lang="nl-NL" dirty="0"/>
-              <a:t>DIGITAL SCRAMBLEPAD</a:t>
-            </a:r>
-          </a:p>
-        </p:txBody>
-      </p:sp>
-      <p:pic>
-        <p:nvPicPr>
-          <p:cNvPr id="4" name="Picture 3">
-            <a:extLst>
-              <a:ext uri="{FF2B5EF4-FFF2-40B4-BE49-F238E27FC236}">
-                <a16:creationId xmlns:a16="http://schemas.microsoft.com/office/drawing/2014/main" id="{B0A5905F-72F9-ED4F-BAFF-5B1F622161D0}"/>
-              </a:ext>
-            </a:extLst>
-          </p:cNvPr>
-          <p:cNvPicPr>
-            <a:picLocks noChangeAspect="1"/>
-          </p:cNvPicPr>
-          <p:nvPr/>
-        </p:nvPicPr>
-        <p:blipFill>
-          <a:blip r:embed="rId4"/>
-          <a:stretch>
-            <a:fillRect/>
-          </a:stretch>
-        </p:blipFill>
-        <p:spPr>
-          <a:xfrm>
-            <a:off x="9876529" y="2925510"/>
-            <a:ext cx="1559476" cy="3234320"/>
-          </a:xfrm>
-          <a:prstGeom prst="rect">
-            <a:avLst/>
-          </a:prstGeom>
-        </p:spPr>
-      </p:pic>
-      <p:cxnSp>
-        <p:nvCxnSpPr>
-          <p:cNvPr id="13" name="Straight Arrow Connector 12">
-            <a:extLst>
-              <a:ext uri="{FF2B5EF4-FFF2-40B4-BE49-F238E27FC236}">
-                <a16:creationId xmlns:a16="http://schemas.microsoft.com/office/drawing/2014/main" id="{B7A698AE-C519-AF4A-D5AD-7152D8E3BEC8}"/>
-              </a:ext>
-            </a:extLst>
-          </p:cNvPr>
-          <p:cNvCxnSpPr/>
-          <p:nvPr/>
-        </p:nvCxnSpPr>
-        <p:spPr>
-          <a:xfrm flipV="1">
-            <a:off x="8725987" y="4476633"/>
-            <a:ext cx="1144643" cy="1"/>
-          </a:xfrm>
-          <a:prstGeom prst="straightConnector1">
-            <a:avLst/>
-          </a:prstGeom>
-          <a:ln>
-            <a:tailEnd type="triangle"/>
-          </a:ln>
-        </p:spPr>
-        <p:style>
-          <a:lnRef idx="1">
-            <a:schemeClr val="accent1"/>
-          </a:lnRef>
-          <a:fillRef idx="0">
-            <a:schemeClr val="accent1"/>
-          </a:fillRef>
-          <a:effectRef idx="0">
-            <a:schemeClr val="accent1"/>
-          </a:effectRef>
-          <a:fontRef idx="minor">
-            <a:schemeClr val="tx1"/>
-          </a:fontRef>
-        </p:style>
-      </p:cxnSp>
-      <p:pic>
-        <p:nvPicPr>
-          <p:cNvPr id="17" name="Graphic 16" descr="Checkmark with solid fill">
-            <a:extLst>
-              <a:ext uri="{FF2B5EF4-FFF2-40B4-BE49-F238E27FC236}">
-                <a16:creationId xmlns:a16="http://schemas.microsoft.com/office/drawing/2014/main" id="{0F716B8E-E0E2-394C-A8DE-E5DE0C8671F3}"/>
-              </a:ext>
-            </a:extLst>
-          </p:cNvPr>
-          <p:cNvPicPr>
-            <a:picLocks noChangeAspect="1"/>
-          </p:cNvPicPr>
-          <p:nvPr/>
-        </p:nvPicPr>
-        <p:blipFill>
-          <a:blip r:embed="rId5">
-            <a:extLst>
-              <a:ext uri="{28A0092B-C50C-407E-A947-70E740481C1C}">
-                <a14:useLocalDpi xmlns:a14="http://schemas.microsoft.com/office/drawing/2010/main" val="0"/>
-              </a:ext>
-              <a:ext uri="{96DAC541-7B7A-43D3-8B79-37D633B846F1}">
-                <asvg:svgBlip xmlns:asvg="http://schemas.microsoft.com/office/drawing/2016/SVG/main" r:embed="rId6"/>
-              </a:ext>
-            </a:extLst>
-          </a:blip>
-          <a:stretch>
-            <a:fillRect/>
-          </a:stretch>
-        </p:blipFill>
-        <p:spPr>
-          <a:xfrm>
-            <a:off x="8848974" y="3532785"/>
-            <a:ext cx="914400" cy="914400"/>
-          </a:xfrm>
-          <a:prstGeom prst="rect">
-            <a:avLst/>
-          </a:prstGeom>
-        </p:spPr>
-      </p:pic>
-      <p:sp>
-        <p:nvSpPr>
-          <p:cNvPr id="22" name="Tijdelijke aanduiding voor inhoud 5">
-            <a:extLst>
-              <a:ext uri="{FF2B5EF4-FFF2-40B4-BE49-F238E27FC236}">
-                <a16:creationId xmlns:a16="http://schemas.microsoft.com/office/drawing/2014/main" id="{CFB2420C-F647-6F2F-E6E7-68775CBDC16F}"/>
-              </a:ext>
-            </a:extLst>
-          </p:cNvPr>
-          <p:cNvSpPr>
-            <a:spLocks noGrp="1"/>
-          </p:cNvSpPr>
-          <p:nvPr>
-            <p:ph sz="half" idx="2"/>
-          </p:nvPr>
-        </p:nvSpPr>
-        <p:spPr>
-          <a:xfrm>
-            <a:off x="645125" y="3154858"/>
-            <a:ext cx="4639736" cy="2870009"/>
-          </a:xfrm>
-        </p:spPr>
-        <p:txBody>
-          <a:bodyPr rtlCol="0">
-            <a:normAutofit/>
-          </a:bodyPr>
-          <a:lstStyle/>
-          <a:p>
-            <a:pPr marL="0" indent="0" rtl="0">
-              <a:buNone/>
-            </a:pPr>
-            <a:r>
-              <a:rPr lang="nl-BE" dirty="0"/>
-              <a:t>Veiliger dan het standaard keypad</a:t>
-            </a:r>
-          </a:p>
-          <a:p>
-            <a:pPr marL="0" indent="0" rtl="0">
-              <a:buNone/>
-            </a:pPr>
-            <a:r>
-              <a:rPr lang="nl-BE" dirty="0"/>
-              <a:t>Nadat de juiste code is ingevoerd, wordt de deur geopend.</a:t>
-            </a:r>
-            <a:endParaRPr lang="nl-NL" dirty="0"/>
-          </a:p>
-        </p:txBody>
-      </p:sp>
-    </p:spTree>
-    <p:extLst>
-      <p:ext uri="{BB962C8B-B14F-4D97-AF65-F5344CB8AC3E}">
-        <p14:creationId xmlns:p14="http://schemas.microsoft.com/office/powerpoint/2010/main" val="3501152539"/>
-      </p:ext>
-    </p:extLst>
-  </p:cSld>
-  <p:clrMapOvr>
-    <a:masterClrMapping/>
-  </p:clrMapOvr>
-</p:sld>
-</file>
-
-<file path=ppt/slides/slide5.xml><?xml version="1.0" encoding="utf-8"?>
 <p:sld xmlns:a="http://schemas.openxmlformats.org/drawingml/2006/main" xmlns:r="http://schemas.openxmlformats.org/officeDocument/2006/relationships" xmlns:p="http://schemas.openxmlformats.org/presentationml/2006/main">
   <p:cSld>
     <p:spTree>
@@ -19901,7 +19324,7 @@
 </p:sld>
 </file>
 
-<file path=ppt/slides/slide6.xml><?xml version="1.0" encoding="utf-8"?>
+<file path=ppt/slides/slide5.xml><?xml version="1.0" encoding="utf-8"?>
 <p:sld xmlns:a="http://schemas.openxmlformats.org/drawingml/2006/main" xmlns:r="http://schemas.openxmlformats.org/officeDocument/2006/relationships" xmlns:p="http://schemas.openxmlformats.org/presentationml/2006/main">
   <p:cSld>
     <p:spTree>
@@ -20066,7 +19489,7 @@
 </p:sld>
 </file>
 
-<file path=ppt/slides/slide7.xml><?xml version="1.0" encoding="utf-8"?>
+<file path=ppt/slides/slide6.xml><?xml version="1.0" encoding="utf-8"?>
 <p:sld xmlns:a="http://schemas.openxmlformats.org/drawingml/2006/main" xmlns:r="http://schemas.openxmlformats.org/officeDocument/2006/relationships" xmlns:p="http://schemas.openxmlformats.org/presentationml/2006/main">
   <p:cSld>
     <p:spTree>
@@ -20960,7 +20383,7 @@
 </p:sld>
 </file>
 
-<file path=ppt/slides/slide8.xml><?xml version="1.0" encoding="utf-8"?>
+<file path=ppt/slides/slide7.xml><?xml version="1.0" encoding="utf-8"?>
 <p:sld xmlns:a="http://schemas.openxmlformats.org/drawingml/2006/main" xmlns:r="http://schemas.openxmlformats.org/officeDocument/2006/relationships" xmlns:p="http://schemas.openxmlformats.org/presentationml/2006/main">
   <p:cSld>
     <p:spTree>
@@ -21643,7 +21066,7 @@
 </p:sld>
 </file>
 
-<file path=ppt/slides/slide9.xml><?xml version="1.0" encoding="utf-8"?>
+<file path=ppt/slides/slide8.xml><?xml version="1.0" encoding="utf-8"?>
 <p:sld xmlns:a="http://schemas.openxmlformats.org/drawingml/2006/main" xmlns:r="http://schemas.openxmlformats.org/officeDocument/2006/relationships" xmlns:p="http://schemas.openxmlformats.org/presentationml/2006/main">
   <p:cSld>
     <p:spTree>
@@ -21765,6 +21188,145 @@
     <p:extLst>
       <p:ext uri="{BB962C8B-B14F-4D97-AF65-F5344CB8AC3E}">
         <p14:creationId xmlns:p14="http://schemas.microsoft.com/office/powerpoint/2010/main" val="163226251"/>
+      </p:ext>
+    </p:extLst>
+  </p:cSld>
+  <p:clrMapOvr>
+    <a:masterClrMapping/>
+  </p:clrMapOvr>
+</p:sld>
+</file>
+
+<file path=ppt/slides/slide9.xml><?xml version="1.0" encoding="utf-8"?>
+<p:sld xmlns:a="http://schemas.openxmlformats.org/drawingml/2006/main" xmlns:r="http://schemas.openxmlformats.org/officeDocument/2006/relationships" xmlns:p="http://schemas.openxmlformats.org/presentationml/2006/main">
+  <p:cSld>
+    <p:spTree>
+      <p:nvGrpSpPr>
+        <p:cNvPr id="1" name=""/>
+        <p:cNvGrpSpPr/>
+        <p:nvPr/>
+      </p:nvGrpSpPr>
+      <p:grpSpPr>
+        <a:xfrm>
+          <a:off x="0" y="0"/>
+          <a:ext cx="0" cy="0"/>
+          <a:chOff x="0" y="0"/>
+          <a:chExt cx="0" cy="0"/>
+        </a:xfrm>
+      </p:grpSpPr>
+      <p:sp>
+        <p:nvSpPr>
+          <p:cNvPr id="13" name="Title 2">
+            <a:extLst>
+              <a:ext uri="{FF2B5EF4-FFF2-40B4-BE49-F238E27FC236}">
+                <a16:creationId xmlns:a16="http://schemas.microsoft.com/office/drawing/2014/main" id="{1027AC66-7AC5-2908-4DB5-CF53468CF9A3}"/>
+              </a:ext>
+            </a:extLst>
+          </p:cNvPr>
+          <p:cNvSpPr>
+            <a:spLocks noGrp="1"/>
+          </p:cNvSpPr>
+          <p:nvPr>
+            <p:ph type="title"/>
+          </p:nvPr>
+        </p:nvSpPr>
+        <p:spPr>
+          <a:xfrm>
+            <a:off x="932329" y="893729"/>
+            <a:ext cx="10452849" cy="910492"/>
+          </a:xfrm>
+        </p:spPr>
+        <p:txBody>
+          <a:bodyPr/>
+          <a:lstStyle/>
+          <a:p>
+            <a:r>
+              <a:rPr lang="nl-BE" dirty="0"/>
+              <a:t>Inlogen</a:t>
+            </a:r>
+          </a:p>
+        </p:txBody>
+      </p:sp>
+      <p:pic>
+        <p:nvPicPr>
+          <p:cNvPr id="20" name="Content Placeholder 19" descr="A picture containing text, screenshot, diagram&#10;&#10;Description automatically generated">
+            <a:extLst>
+              <a:ext uri="{FF2B5EF4-FFF2-40B4-BE49-F238E27FC236}">
+                <a16:creationId xmlns:a16="http://schemas.microsoft.com/office/drawing/2014/main" id="{D70E181C-61C5-C229-C026-7190BEAB3491}"/>
+              </a:ext>
+            </a:extLst>
+          </p:cNvPr>
+          <p:cNvPicPr>
+            <a:picLocks noGrp="1" noChangeAspect="1"/>
+          </p:cNvPicPr>
+          <p:nvPr>
+            <p:ph idx="1"/>
+          </p:nvPr>
+        </p:nvPicPr>
+        <p:blipFill>
+          <a:blip r:embed="rId2">
+            <a:extLst>
+              <a:ext uri="{28A0092B-C50C-407E-A947-70E740481C1C}">
+                <a14:useLocalDpi xmlns:a14="http://schemas.microsoft.com/office/drawing/2010/main" val="0"/>
+              </a:ext>
+            </a:extLst>
+          </a:blip>
+          <a:stretch>
+            <a:fillRect/>
+          </a:stretch>
+        </p:blipFill>
+        <p:spPr>
+          <a:xfrm>
+            <a:off x="1487776" y="1559455"/>
+            <a:ext cx="9216447" cy="4404816"/>
+          </a:xfrm>
+        </p:spPr>
+      </p:pic>
+      <p:cxnSp>
+        <p:nvCxnSpPr>
+          <p:cNvPr id="3" name="Straight Arrow Connector 2">
+            <a:extLst>
+              <a:ext uri="{FF2B5EF4-FFF2-40B4-BE49-F238E27FC236}">
+                <a16:creationId xmlns:a16="http://schemas.microsoft.com/office/drawing/2014/main" id="{355D8699-DF94-A300-898B-215F06DB6593}"/>
+              </a:ext>
+            </a:extLst>
+          </p:cNvPr>
+          <p:cNvCxnSpPr>
+            <a:cxnSpLocks/>
+          </p:cNvCxnSpPr>
+          <p:nvPr/>
+        </p:nvCxnSpPr>
+        <p:spPr>
+          <a:xfrm flipV="1">
+            <a:off x="9225481" y="4182700"/>
+            <a:ext cx="0" cy="298765"/>
+          </a:xfrm>
+          <a:prstGeom prst="straightConnector1">
+            <a:avLst/>
+          </a:prstGeom>
+          <a:ln>
+            <a:tailEnd type="triangle"/>
+          </a:ln>
+        </p:spPr>
+        <p:style>
+          <a:lnRef idx="1">
+            <a:schemeClr val="accent1"/>
+          </a:lnRef>
+          <a:fillRef idx="0">
+            <a:schemeClr val="accent1"/>
+          </a:fillRef>
+          <a:effectRef idx="0">
+            <a:schemeClr val="accent1"/>
+          </a:effectRef>
+          <a:fontRef idx="minor">
+            <a:schemeClr val="tx1"/>
+          </a:fontRef>
+        </p:style>
+      </p:cxnSp>
+    </p:spTree>
+    <p:extLst>
+      <p:ext uri="{BB962C8B-B14F-4D97-AF65-F5344CB8AC3E}">
+        <p14:creationId xmlns:p14="http://schemas.microsoft.com/office/powerpoint/2010/main" val="77393496"/>
       </p:ext>
     </p:extLst>
   </p:cSld>

--- a/Gip verslag & powerpoint/GIP_PWP.pptx
+++ b/Gip verslag & powerpoint/GIP_PWP.pptx
@@ -1861,7 +1861,7 @@
                 <a:schemeClr val="bg1"/>
               </a:solidFill>
             </a:rPr>
-            <a:t>Gebruikers Naam</a:t>
+            <a:t>Gebruikersnaam</a:t>
           </a:r>
         </a:p>
       </dgm:t>
@@ -3563,7 +3563,7 @@
                 <a:schemeClr val="bg1"/>
               </a:solidFill>
             </a:rPr>
-            <a:t>Gebruikers Naam</a:t>
+            <a:t>Gebruikersnaam</a:t>
           </a:r>
         </a:p>
       </dsp:txBody>
@@ -8782,7 +8782,7 @@
             <a:pPr rtl="0"/>
             <a:fld id="{DB179A27-1EB3-4367-B92D-C2A8242EAB16}" type="datetime1">
               <a:rPr lang="nl-NL" smtClean="0"/>
-              <a:t>7-6-2023</a:t>
+              <a:t>21-6-2023</a:t>
             </a:fld>
             <a:endParaRPr lang="nl-NL" dirty="0"/>
           </a:p>
@@ -8884,7 +8884,7 @@
             <a:pPr rtl="0"/>
             <a:fld id="{9039CEC1-7AB1-4B45-A246-57E8EC51D11F}" type="datetime1">
               <a:rPr lang="nl-NL" noProof="0" smtClean="0"/>
-              <a:t>7-6-2023</a:t>
+              <a:t>21-6-2023</a:t>
             </a:fld>
             <a:endParaRPr lang="nl-NL" noProof="0" dirty="0"/>
           </a:p>
@@ -9634,7 +9634,7 @@
             <a:pPr rtl="0"/>
             <a:fld id="{D5E55FA3-9E5D-41EA-943D-CA860F2B0991}" type="datetime1">
               <a:rPr lang="nl-NL" noProof="0" smtClean="0"/>
-              <a:t>7-6-2023</a:t>
+              <a:t>21-6-2023</a:t>
             </a:fld>
             <a:endParaRPr lang="nl-NL" noProof="0" dirty="0"/>
           </a:p>
@@ -10365,7 +10365,7 @@
             <a:pPr rtl="0"/>
             <a:fld id="{D8B5561B-9B9C-4F73-9CA2-7ABA62FECAA8}" type="datetime1">
               <a:rPr lang="nl-NL" noProof="0" smtClean="0"/>
-              <a:t>7-6-2023</a:t>
+              <a:t>21-6-2023</a:t>
             </a:fld>
             <a:endParaRPr lang="nl-NL" noProof="0" dirty="0"/>
           </a:p>
@@ -10939,7 +10939,7 @@
             <a:pPr rtl="0"/>
             <a:fld id="{646127DF-6883-46D2-9895-E40ACF3F766C}" type="datetime1">
               <a:rPr lang="nl-NL" noProof="0" smtClean="0"/>
-              <a:t>7-6-2023</a:t>
+              <a:t>21-6-2023</a:t>
             </a:fld>
             <a:endParaRPr lang="nl-NL" noProof="0" dirty="0"/>
           </a:p>
@@ -11601,7 +11601,7 @@
             <a:pPr rtl="0"/>
             <a:fld id="{F1E91BFF-F0F2-4FC3-AE9D-6D5B6AD49500}" type="datetime1">
               <a:rPr lang="nl-NL" noProof="0" smtClean="0"/>
-              <a:t>7-6-2023</a:t>
+              <a:t>21-6-2023</a:t>
             </a:fld>
             <a:endParaRPr lang="nl-NL" noProof="0" dirty="0"/>
           </a:p>
@@ -12338,7 +12338,7 @@
             <a:pPr rtl="0"/>
             <a:fld id="{BB603C2D-CF3E-45D9-9BA5-46A4CCA259A0}" type="datetime1">
               <a:rPr lang="nl-NL" noProof="0" smtClean="0"/>
-              <a:t>7-6-2023</a:t>
+              <a:t>21-6-2023</a:t>
             </a:fld>
             <a:endParaRPr lang="nl-NL" noProof="0" dirty="0"/>
           </a:p>
@@ -13644,7 +13644,7 @@
             <a:pPr rtl="0"/>
             <a:fld id="{188BC31A-9AB4-452F-87E9-B1EE716A9B0A}" type="datetime1">
               <a:rPr lang="nl-NL" noProof="0" smtClean="0"/>
-              <a:t>7-6-2023</a:t>
+              <a:t>21-6-2023</a:t>
             </a:fld>
             <a:endParaRPr lang="nl-NL" noProof="0" dirty="0"/>
           </a:p>
@@ -14133,7 +14133,7 @@
             <a:pPr rtl="0"/>
             <a:fld id="{5CD4A43E-96B9-429B-A99A-C35167A35CD7}" type="datetime1">
               <a:rPr lang="nl-NL" noProof="0" smtClean="0"/>
-              <a:t>7-6-2023</a:t>
+              <a:t>21-6-2023</a:t>
             </a:fld>
             <a:endParaRPr lang="nl-NL" noProof="0" dirty="0"/>
           </a:p>
@@ -14765,7 +14765,7 @@
             <a:pPr rtl="0"/>
             <a:fld id="{F9B0DD66-5740-43F0-89FF-6356166752B1}" type="datetime1">
               <a:rPr lang="nl-NL" noProof="0" smtClean="0"/>
-              <a:t>7-6-2023</a:t>
+              <a:t>21-6-2023</a:t>
             </a:fld>
             <a:endParaRPr lang="nl-NL" noProof="0" dirty="0"/>
           </a:p>
@@ -15080,7 +15080,7 @@
             <a:pPr rtl="0"/>
             <a:fld id="{E37FE412-530F-440B-9B5E-7DE8E442136A}" type="datetime1">
               <a:rPr lang="nl-NL" noProof="0" smtClean="0"/>
-              <a:t>7-6-2023</a:t>
+              <a:t>21-6-2023</a:t>
             </a:fld>
             <a:endParaRPr lang="nl-NL" noProof="0" dirty="0"/>
           </a:p>
@@ -15403,7 +15403,7 @@
             <a:pPr rtl="0"/>
             <a:fld id="{D1B45C3F-1D5D-42CB-88C6-D85D4E3841FB}" type="datetime1">
               <a:rPr lang="nl-NL" noProof="0" smtClean="0"/>
-              <a:t>7-6-2023</a:t>
+              <a:t>21-6-2023</a:t>
             </a:fld>
             <a:endParaRPr lang="nl-NL" noProof="0" dirty="0"/>
           </a:p>
@@ -15850,7 +15850,7 @@
             <a:pPr rtl="0"/>
             <a:fld id="{143AB357-9C9A-497E-AB67-DEB72EA7BBD8}" type="datetime1">
               <a:rPr lang="nl-NL" noProof="0" smtClean="0"/>
-              <a:t>7-6-2023</a:t>
+              <a:t>21-6-2023</a:t>
             </a:fld>
             <a:endParaRPr lang="nl-NL" noProof="0" dirty="0"/>
           </a:p>
@@ -16480,7 +16480,7 @@
             <a:pPr rtl="0"/>
             <a:fld id="{5B6FA152-FA65-408F-878E-1E58A9C9A46B}" type="datetime1">
               <a:rPr lang="nl-NL" noProof="0" smtClean="0"/>
-              <a:t>7-6-2023</a:t>
+              <a:t>21-6-2023</a:t>
             </a:fld>
             <a:endParaRPr lang="nl-NL" noProof="0" dirty="0"/>
           </a:p>
@@ -16950,7 +16950,7 @@
             <a:pPr rtl="0"/>
             <a:fld id="{FE36E2F3-0DC3-4E6E-B7D5-268195D79586}" type="datetime1">
               <a:rPr lang="nl-NL" noProof="0" smtClean="0"/>
-              <a:t>7-6-2023</a:t>
+              <a:t>21-6-2023</a:t>
             </a:fld>
             <a:endParaRPr lang="nl-NL" noProof="0" dirty="0"/>
           </a:p>
@@ -17630,7 +17630,7 @@
             <a:pPr rtl="0"/>
             <a:fld id="{FA3ED6F6-0AB3-431D-BFCA-AE8472E6842B}" type="datetime1">
               <a:rPr lang="nl-NL" noProof="0" smtClean="0"/>
-              <a:t>7-6-2023</a:t>
+              <a:t>21-6-2023</a:t>
             </a:fld>
             <a:endParaRPr lang="nl-NL" noProof="0" dirty="0"/>
           </a:p>
@@ -18290,7 +18290,7 @@
             <p:ph idx="1"/>
             <p:extLst>
               <p:ext uri="{D42A27DB-BD31-4B8C-83A1-F6EECF244321}">
-                <p14:modId xmlns:p14="http://schemas.microsoft.com/office/powerpoint/2010/main" val="3873435099"/>
+                <p14:modId xmlns:p14="http://schemas.microsoft.com/office/powerpoint/2010/main" val="441439382"/>
               </p:ext>
             </p:extLst>
           </p:nvPr>
@@ -19368,12 +19368,8 @@
           <a:lstStyle/>
           <a:p>
             <a:r>
-              <a:rPr lang="en-US" dirty="0"/>
-              <a:t>Programmer </a:t>
-            </a:r>
-            <a:r>
               <a:rPr lang="nl-BE" dirty="0"/>
-              <a:t>tallen</a:t>
+              <a:t>Programmeertalen</a:t>
             </a:r>
           </a:p>
           <a:p>
@@ -21242,7 +21238,7 @@
           <a:p>
             <a:r>
               <a:rPr lang="nl-BE" dirty="0"/>
-              <a:t>Inlogen</a:t>
+              <a:t>Inloggen</a:t>
             </a:r>
           </a:p>
         </p:txBody>
